--- a/others/Presentation/24.3.25人形-中文.pptx
+++ b/others/Presentation/24.3.25人形-中文.pptx
@@ -216,7 +216,7 @@
           <a:p>
             <a:fld id="{3909E773-ECD9-4CBC-977D-1F386E1F13F0}" type="datetimeFigureOut">
               <a:rPr lang="zh-CN" altLang="en-US" smtClean="0"/>
-              <a:t>2024/3/25</a:t>
+              <a:t>2024/4/10</a:t>
             </a:fld>
             <a:endParaRPr lang="zh-CN" altLang="en-US"/>
           </a:p>
@@ -615,7 +615,7 @@
           <a:p>
             <a:fld id="{D63A06E0-E99F-4790-B66B-E19261C874E1}" type="datetime1">
               <a:rPr lang="zh-CN" altLang="en-US" smtClean="0"/>
-              <a:t>2024/3/25</a:t>
+              <a:t>2024/4/10</a:t>
             </a:fld>
             <a:endParaRPr lang="zh-CN" altLang="en-US"/>
           </a:p>
@@ -708,13 +708,13 @@
   <p:clrMapOvr>
     <a:masterClrMapping/>
   </p:clrMapOvr>
-  <mc:AlternateContent xmlns:mc="http://schemas.openxmlformats.org/markup-compatibility/2006">
-    <mc:Choice xmlns:p159="http://schemas.microsoft.com/office/powerpoint/2015/09/main" Requires="p159">
+  <mc:AlternateContent xmlns:mc="http://schemas.openxmlformats.org/markup-compatibility/2006" xmlns:p159="http://schemas.microsoft.com/office/powerpoint/2015/09/main">
+    <mc:Choice Requires="p159">
       <p:transition spd="slow">
         <p159:morph option="byObject"/>
       </p:transition>
     </mc:Choice>
-    <mc:Fallback>
+    <mc:Fallback xmlns="">
       <p:transition spd="slow">
         <p:fade/>
       </p:transition>
@@ -917,7 +917,7 @@
           <a:p>
             <a:fld id="{C56F95BD-070D-4D80-B2CD-831E7FBB0058}" type="datetime1">
               <a:rPr lang="zh-CN" altLang="en-US" smtClean="0"/>
-              <a:t>2024/3/25</a:t>
+              <a:t>2024/4/10</a:t>
             </a:fld>
             <a:endParaRPr lang="zh-CN" altLang="en-US"/>
           </a:p>
@@ -975,13 +975,13 @@
   <p:clrMapOvr>
     <a:masterClrMapping/>
   </p:clrMapOvr>
-  <mc:AlternateContent xmlns:mc="http://schemas.openxmlformats.org/markup-compatibility/2006">
-    <mc:Choice xmlns:p159="http://schemas.microsoft.com/office/powerpoint/2015/09/main" Requires="p159">
+  <mc:AlternateContent xmlns:mc="http://schemas.openxmlformats.org/markup-compatibility/2006" xmlns:p159="http://schemas.microsoft.com/office/powerpoint/2015/09/main">
+    <mc:Choice Requires="p159">
       <p:transition spd="slow">
         <p159:morph option="byObject"/>
       </p:transition>
     </mc:Choice>
-    <mc:Fallback>
+    <mc:Fallback xmlns="">
       <p:transition spd="slow">
         <p:fade/>
       </p:transition>
@@ -1105,7 +1105,7 @@
           <a:p>
             <a:fld id="{1E52F03C-077B-48D3-BE36-409F2038F7BB}" type="datetime1">
               <a:rPr lang="zh-CN" altLang="en-US" smtClean="0"/>
-              <a:t>2024/3/25</a:t>
+              <a:t>2024/4/10</a:t>
             </a:fld>
             <a:endParaRPr lang="zh-CN" altLang="en-US"/>
           </a:p>
@@ -1163,13 +1163,13 @@
   <p:clrMapOvr>
     <a:masterClrMapping/>
   </p:clrMapOvr>
-  <mc:AlternateContent xmlns:mc="http://schemas.openxmlformats.org/markup-compatibility/2006">
-    <mc:Choice xmlns:p159="http://schemas.microsoft.com/office/powerpoint/2015/09/main" Requires="p159">
+  <mc:AlternateContent xmlns:mc="http://schemas.openxmlformats.org/markup-compatibility/2006" xmlns:p159="http://schemas.microsoft.com/office/powerpoint/2015/09/main">
+    <mc:Choice Requires="p159">
       <p:transition spd="slow">
         <p159:morph option="byObject"/>
       </p:transition>
     </mc:Choice>
-    <mc:Fallback>
+    <mc:Fallback xmlns="">
       <p:transition spd="slow">
         <p:fade/>
       </p:transition>
@@ -1298,7 +1298,7 @@
           <a:p>
             <a:fld id="{253409E9-7CCE-4A69-B702-1E19220A0A5C}" type="datetime1">
               <a:rPr lang="zh-CN" altLang="en-US" smtClean="0"/>
-              <a:t>2024/3/25</a:t>
+              <a:t>2024/4/10</a:t>
             </a:fld>
             <a:endParaRPr lang="zh-CN" altLang="en-US"/>
           </a:p>
@@ -1356,13 +1356,13 @@
   <p:clrMapOvr>
     <a:masterClrMapping/>
   </p:clrMapOvr>
-  <mc:AlternateContent xmlns:mc="http://schemas.openxmlformats.org/markup-compatibility/2006">
-    <mc:Choice xmlns:p159="http://schemas.microsoft.com/office/powerpoint/2015/09/main" Requires="p159">
+  <mc:AlternateContent xmlns:mc="http://schemas.openxmlformats.org/markup-compatibility/2006" xmlns:p159="http://schemas.microsoft.com/office/powerpoint/2015/09/main">
+    <mc:Choice Requires="p159">
       <p:transition spd="slow">
         <p159:morph option="byObject"/>
       </p:transition>
     </mc:Choice>
-    <mc:Fallback>
+    <mc:Fallback xmlns="">
       <p:transition spd="slow">
         <p:fade/>
       </p:transition>
@@ -1435,7 +1435,7 @@
           <a:p>
             <a:fld id="{946ECAE9-449B-4C51-87C9-EE80C5A78B58}" type="datetime1">
               <a:rPr lang="zh-CN" altLang="en-US" smtClean="0"/>
-              <a:t>2024/3/25</a:t>
+              <a:t>2024/4/10</a:t>
             </a:fld>
             <a:endParaRPr lang="zh-CN" altLang="en-US"/>
           </a:p>
@@ -1493,13 +1493,13 @@
   <p:clrMapOvr>
     <a:masterClrMapping/>
   </p:clrMapOvr>
-  <mc:AlternateContent xmlns:mc="http://schemas.openxmlformats.org/markup-compatibility/2006">
-    <mc:Choice xmlns:p159="http://schemas.microsoft.com/office/powerpoint/2015/09/main" Requires="p159">
+  <mc:AlternateContent xmlns:mc="http://schemas.openxmlformats.org/markup-compatibility/2006" xmlns:p159="http://schemas.microsoft.com/office/powerpoint/2015/09/main">
+    <mc:Choice Requires="p159">
       <p:transition spd="slow">
         <p159:morph option="byObject"/>
       </p:transition>
     </mc:Choice>
-    <mc:Fallback>
+    <mc:Fallback xmlns="">
       <p:transition spd="slow">
         <p:fade/>
       </p:transition>
@@ -1572,7 +1572,7 @@
           <a:p>
             <a:fld id="{9D9F19DF-1B58-4D8D-8E5D-B425A7D7E9DB}" type="datetime1">
               <a:rPr lang="zh-CN" altLang="en-US" smtClean="0"/>
-              <a:t>2024/3/25</a:t>
+              <a:t>2024/4/10</a:t>
             </a:fld>
             <a:endParaRPr lang="zh-CN" altLang="en-US"/>
           </a:p>
@@ -1630,13 +1630,13 @@
   <p:clrMapOvr>
     <a:masterClrMapping/>
   </p:clrMapOvr>
-  <mc:AlternateContent xmlns:mc="http://schemas.openxmlformats.org/markup-compatibility/2006">
-    <mc:Choice xmlns:p159="http://schemas.microsoft.com/office/powerpoint/2015/09/main" Requires="p159">
+  <mc:AlternateContent xmlns:mc="http://schemas.openxmlformats.org/markup-compatibility/2006" xmlns:p159="http://schemas.microsoft.com/office/powerpoint/2015/09/main">
+    <mc:Choice Requires="p159">
       <p:transition spd="slow">
         <p159:morph option="byObject"/>
       </p:transition>
     </mc:Choice>
-    <mc:Fallback>
+    <mc:Fallback xmlns="">
       <p:transition spd="slow">
         <p:fade/>
       </p:transition>
@@ -1826,13 +1826,13 @@
   <p:clrMapOvr>
     <a:masterClrMapping/>
   </p:clrMapOvr>
-  <mc:AlternateContent xmlns:mc="http://schemas.openxmlformats.org/markup-compatibility/2006">
-    <mc:Choice xmlns:p159="http://schemas.microsoft.com/office/powerpoint/2015/09/main" Requires="p159">
+  <mc:AlternateContent xmlns:mc="http://schemas.openxmlformats.org/markup-compatibility/2006" xmlns:p159="http://schemas.microsoft.com/office/powerpoint/2015/09/main">
+    <mc:Choice Requires="p159">
       <p:transition spd="slow">
         <p159:morph option="byObject"/>
       </p:transition>
     </mc:Choice>
-    <mc:Fallback>
+    <mc:Fallback xmlns="">
       <p:transition spd="slow">
         <p:fade/>
       </p:transition>
@@ -1913,7 +1913,7 @@
           <a:p>
             <a:fld id="{4D369321-8A09-4CE6-B598-92CE61759050}" type="datetime1">
               <a:rPr lang="zh-CN" altLang="en-US" smtClean="0"/>
-              <a:t>2024/3/25</a:t>
+              <a:t>2024/4/10</a:t>
             </a:fld>
             <a:endParaRPr lang="zh-CN" altLang="en-US"/>
           </a:p>
@@ -1971,13 +1971,13 @@
   <p:clrMapOvr>
     <a:masterClrMapping/>
   </p:clrMapOvr>
-  <mc:AlternateContent xmlns:mc="http://schemas.openxmlformats.org/markup-compatibility/2006">
-    <mc:Choice xmlns:p159="http://schemas.microsoft.com/office/powerpoint/2015/09/main" Requires="p159">
+  <mc:AlternateContent xmlns:mc="http://schemas.openxmlformats.org/markup-compatibility/2006" xmlns:p159="http://schemas.microsoft.com/office/powerpoint/2015/09/main">
+    <mc:Choice Requires="p159">
       <p:transition spd="slow">
         <p159:morph option="byObject"/>
       </p:transition>
     </mc:Choice>
-    <mc:Fallback>
+    <mc:Fallback xmlns="">
       <p:transition spd="slow">
         <p:fade/>
       </p:transition>
@@ -2101,7 +2101,7 @@
           <a:p>
             <a:fld id="{DC2065CF-94B5-4AF0-B45F-D2343C26F2B5}" type="datetime1">
               <a:rPr lang="zh-CN" altLang="en-US" smtClean="0"/>
-              <a:t>2024/3/25</a:t>
+              <a:t>2024/4/10</a:t>
             </a:fld>
             <a:endParaRPr lang="zh-CN" altLang="en-US"/>
           </a:p>
@@ -2159,13 +2159,13 @@
   <p:clrMapOvr>
     <a:masterClrMapping/>
   </p:clrMapOvr>
-  <mc:AlternateContent xmlns:mc="http://schemas.openxmlformats.org/markup-compatibility/2006">
-    <mc:Choice xmlns:p159="http://schemas.microsoft.com/office/powerpoint/2015/09/main" Requires="p159">
+  <mc:AlternateContent xmlns:mc="http://schemas.openxmlformats.org/markup-compatibility/2006" xmlns:p159="http://schemas.microsoft.com/office/powerpoint/2015/09/main">
+    <mc:Choice Requires="p159">
       <p:transition spd="slow">
         <p159:morph option="byObject"/>
       </p:transition>
     </mc:Choice>
-    <mc:Fallback>
+    <mc:Fallback xmlns="">
       <p:transition spd="slow">
         <p:fade/>
       </p:transition>
@@ -2361,7 +2361,7 @@
           <a:p>
             <a:fld id="{452BC3A7-228D-4D1E-9A81-708E69256315}" type="datetime1">
               <a:rPr lang="zh-CN" altLang="en-US" smtClean="0"/>
-              <a:t>2024/3/25</a:t>
+              <a:t>2024/4/10</a:t>
             </a:fld>
             <a:endParaRPr lang="zh-CN" altLang="en-US"/>
           </a:p>
@@ -2419,13 +2419,13 @@
   <p:clrMapOvr>
     <a:masterClrMapping/>
   </p:clrMapOvr>
-  <mc:AlternateContent xmlns:mc="http://schemas.openxmlformats.org/markup-compatibility/2006">
-    <mc:Choice xmlns:p159="http://schemas.microsoft.com/office/powerpoint/2015/09/main" Requires="p159">
+  <mc:AlternateContent xmlns:mc="http://schemas.openxmlformats.org/markup-compatibility/2006" xmlns:p159="http://schemas.microsoft.com/office/powerpoint/2015/09/main">
+    <mc:Choice Requires="p159">
       <p:transition spd="slow">
         <p159:morph option="byObject"/>
       </p:transition>
     </mc:Choice>
-    <mc:Fallback>
+    <mc:Fallback xmlns="">
       <p:transition spd="slow">
         <p:fade/>
       </p:transition>
@@ -2610,7 +2610,7 @@
           <a:p>
             <a:fld id="{175A1315-5342-4AD1-A6FC-E32E80AE8A23}" type="datetime1">
               <a:rPr lang="zh-CN" altLang="en-US" smtClean="0"/>
-              <a:t>2024/3/25</a:t>
+              <a:t>2024/4/10</a:t>
             </a:fld>
             <a:endParaRPr lang="zh-CN" altLang="en-US"/>
           </a:p>
@@ -2668,13 +2668,13 @@
   <p:clrMapOvr>
     <a:masterClrMapping/>
   </p:clrMapOvr>
-  <mc:AlternateContent xmlns:mc="http://schemas.openxmlformats.org/markup-compatibility/2006">
-    <mc:Choice xmlns:p159="http://schemas.microsoft.com/office/powerpoint/2015/09/main" Requires="p159">
+  <mc:AlternateContent xmlns:mc="http://schemas.openxmlformats.org/markup-compatibility/2006" xmlns:p159="http://schemas.microsoft.com/office/powerpoint/2015/09/main">
+    <mc:Choice Requires="p159">
       <p:transition spd="slow">
         <p159:morph option="byObject"/>
       </p:transition>
     </mc:Choice>
-    <mc:Fallback>
+    <mc:Fallback xmlns="">
       <p:transition spd="slow">
         <p:fade/>
       </p:transition>
@@ -2989,7 +2989,7 @@
           <a:p>
             <a:fld id="{B7C919A8-9913-4017-8DF0-1C6CCEEBB4A3}" type="datetime1">
               <a:rPr lang="zh-CN" altLang="en-US" smtClean="0"/>
-              <a:t>2024/3/25</a:t>
+              <a:t>2024/4/10</a:t>
             </a:fld>
             <a:endParaRPr lang="zh-CN" altLang="en-US"/>
           </a:p>
@@ -3047,13 +3047,13 @@
   <p:clrMapOvr>
     <a:masterClrMapping/>
   </p:clrMapOvr>
-  <mc:AlternateContent xmlns:mc="http://schemas.openxmlformats.org/markup-compatibility/2006">
-    <mc:Choice xmlns:p159="http://schemas.microsoft.com/office/powerpoint/2015/09/main" Requires="p159">
+  <mc:AlternateContent xmlns:mc="http://schemas.openxmlformats.org/markup-compatibility/2006" xmlns:p159="http://schemas.microsoft.com/office/powerpoint/2015/09/main">
+    <mc:Choice Requires="p159">
       <p:transition spd="slow">
         <p159:morph option="byObject"/>
       </p:transition>
     </mc:Choice>
-    <mc:Fallback>
+    <mc:Fallback xmlns="">
       <p:transition spd="slow">
         <p:fade/>
       </p:transition>
@@ -3126,7 +3126,7 @@
           <a:p>
             <a:fld id="{D0ACECA9-4CCC-456F-A153-11A834DA324A}" type="datetime1">
               <a:rPr lang="zh-CN" altLang="en-US" smtClean="0"/>
-              <a:t>2024/3/25</a:t>
+              <a:t>2024/4/10</a:t>
             </a:fld>
             <a:endParaRPr lang="zh-CN" altLang="en-US"/>
           </a:p>
@@ -3184,13 +3184,13 @@
   <p:clrMapOvr>
     <a:masterClrMapping/>
   </p:clrMapOvr>
-  <mc:AlternateContent xmlns:mc="http://schemas.openxmlformats.org/markup-compatibility/2006">
-    <mc:Choice xmlns:p159="http://schemas.microsoft.com/office/powerpoint/2015/09/main" Requires="p159">
+  <mc:AlternateContent xmlns:mc="http://schemas.openxmlformats.org/markup-compatibility/2006" xmlns:p159="http://schemas.microsoft.com/office/powerpoint/2015/09/main">
+    <mc:Choice Requires="p159">
       <p:transition spd="slow">
         <p159:morph option="byObject"/>
       </p:transition>
     </mc:Choice>
-    <mc:Fallback>
+    <mc:Fallback xmlns="">
       <p:transition spd="slow">
         <p:fade/>
       </p:transition>
@@ -3233,7 +3233,7 @@
           <a:p>
             <a:fld id="{DBA58443-F531-480B-A4BF-BEC723C87569}" type="datetime1">
               <a:rPr lang="zh-CN" altLang="en-US" smtClean="0"/>
-              <a:t>2024/3/25</a:t>
+              <a:t>2024/4/10</a:t>
             </a:fld>
             <a:endParaRPr lang="zh-CN" altLang="en-US"/>
           </a:p>
@@ -3291,13 +3291,13 @@
   <p:clrMapOvr>
     <a:masterClrMapping/>
   </p:clrMapOvr>
-  <mc:AlternateContent xmlns:mc="http://schemas.openxmlformats.org/markup-compatibility/2006">
-    <mc:Choice xmlns:p159="http://schemas.microsoft.com/office/powerpoint/2015/09/main" Requires="p159">
+  <mc:AlternateContent xmlns:mc="http://schemas.openxmlformats.org/markup-compatibility/2006" xmlns:p159="http://schemas.microsoft.com/office/powerpoint/2015/09/main">
+    <mc:Choice Requires="p159">
       <p:transition spd="slow">
         <p159:morph option="byObject"/>
       </p:transition>
     </mc:Choice>
-    <mc:Fallback>
+    <mc:Fallback xmlns="">
       <p:transition spd="slow">
         <p:fade/>
       </p:transition>
@@ -3523,7 +3523,7 @@
           <a:p>
             <a:fld id="{B60BE4C9-62CD-4D1F-998B-278C8DC6D632}" type="datetime1">
               <a:rPr lang="zh-CN" altLang="en-US" smtClean="0"/>
-              <a:t>2024/3/25</a:t>
+              <a:t>2024/4/10</a:t>
             </a:fld>
             <a:endParaRPr lang="zh-CN" altLang="en-US"/>
           </a:p>
@@ -3581,13 +3581,13 @@
   <p:clrMapOvr>
     <a:masterClrMapping/>
   </p:clrMapOvr>
-  <mc:AlternateContent xmlns:mc="http://schemas.openxmlformats.org/markup-compatibility/2006">
-    <mc:Choice xmlns:p159="http://schemas.microsoft.com/office/powerpoint/2015/09/main" Requires="p159">
+  <mc:AlternateContent xmlns:mc="http://schemas.openxmlformats.org/markup-compatibility/2006" xmlns:p159="http://schemas.microsoft.com/office/powerpoint/2015/09/main">
+    <mc:Choice Requires="p159">
       <p:transition spd="slow">
         <p159:morph option="byObject"/>
       </p:transition>
     </mc:Choice>
-    <mc:Fallback>
+    <mc:Fallback xmlns="">
       <p:transition spd="slow">
         <p:fade/>
       </p:transition>
@@ -3714,7 +3714,7 @@
           <a:p>
             <a:fld id="{8ADB7A4C-A46C-41B4-981F-21B952E715A2}" type="datetime1">
               <a:rPr lang="zh-CN" altLang="en-US" smtClean="0"/>
-              <a:t>2024/3/25</a:t>
+              <a:t>2024/4/10</a:t>
             </a:fld>
             <a:endParaRPr lang="zh-CN" altLang="en-US"/>
           </a:p>
@@ -3864,13 +3864,13 @@
     <p:sldLayoutId id="2147483674" r:id="rId14"/>
     <p:sldLayoutId id="2147483787" r:id="rId15"/>
   </p:sldLayoutIdLst>
-  <mc:AlternateContent xmlns:mc="http://schemas.openxmlformats.org/markup-compatibility/2006">
-    <mc:Choice xmlns:p159="http://schemas.microsoft.com/office/powerpoint/2015/09/main" Requires="p159">
+  <mc:AlternateContent xmlns:mc="http://schemas.openxmlformats.org/markup-compatibility/2006" xmlns:p159="http://schemas.microsoft.com/office/powerpoint/2015/09/main">
+    <mc:Choice Requires="p159">
       <p:transition spd="slow">
         <p159:morph option="byObject"/>
       </p:transition>
     </mc:Choice>
-    <mc:Fallback>
+    <mc:Fallback xmlns="">
       <p:transition spd="slow">
         <p:fade/>
       </p:transition>
@@ -4726,7 +4726,7 @@
                 </a:solidFill>
               </a:rPr>
               <a:pPr algn="r"/>
-              <a:t>2024年3月25日</a:t>
+              <a:t>2024年4月10日</a:t>
             </a:fld>
             <a:endParaRPr lang="zh-CN" altLang="en-US" sz="2400" dirty="0">
               <a:solidFill>
@@ -4746,13 +4746,13 @@
   <p:clrMapOvr>
     <a:masterClrMapping/>
   </p:clrMapOvr>
-  <mc:AlternateContent xmlns:mc="http://schemas.openxmlformats.org/markup-compatibility/2006">
-    <mc:Choice xmlns:p159="http://schemas.microsoft.com/office/powerpoint/2015/09/main" Requires="p159">
+  <mc:AlternateContent xmlns:mc="http://schemas.openxmlformats.org/markup-compatibility/2006" xmlns:p159="http://schemas.microsoft.com/office/powerpoint/2015/09/main">
+    <mc:Choice Requires="p159">
       <p:transition spd="slow">
         <p159:morph option="byObject"/>
       </p:transition>
     </mc:Choice>
-    <mc:Fallback>
+    <mc:Fallback xmlns="">
       <p:transition spd="slow">
         <p:fade/>
       </p:transition>
@@ -5380,13 +5380,13 @@
   <p:clrMapOvr>
     <a:masterClrMapping/>
   </p:clrMapOvr>
-  <mc:AlternateContent xmlns:mc="http://schemas.openxmlformats.org/markup-compatibility/2006">
-    <mc:Choice xmlns:p159="http://schemas.microsoft.com/office/powerpoint/2015/09/main" Requires="p159">
+  <mc:AlternateContent xmlns:mc="http://schemas.openxmlformats.org/markup-compatibility/2006" xmlns:p159="http://schemas.microsoft.com/office/powerpoint/2015/09/main">
+    <mc:Choice Requires="p159">
       <p:transition spd="slow">
         <p159:morph option="byObject"/>
       </p:transition>
     </mc:Choice>
-    <mc:Fallback>
+    <mc:Fallback xmlns="">
       <p:transition spd="slow">
         <p:fade/>
       </p:transition>
@@ -6475,13 +6475,13 @@
   <p:clrMapOvr>
     <a:masterClrMapping/>
   </p:clrMapOvr>
-  <mc:AlternateContent xmlns:mc="http://schemas.openxmlformats.org/markup-compatibility/2006">
-    <mc:Choice xmlns:p159="http://schemas.microsoft.com/office/powerpoint/2015/09/main" Requires="p159">
+  <mc:AlternateContent xmlns:mc="http://schemas.openxmlformats.org/markup-compatibility/2006" xmlns:p159="http://schemas.microsoft.com/office/powerpoint/2015/09/main">
+    <mc:Choice Requires="p159">
       <p:transition spd="slow">
         <p159:morph option="byObject"/>
       </p:transition>
     </mc:Choice>
-    <mc:Fallback>
+    <mc:Fallback xmlns="">
       <p:transition spd="slow">
         <p:fade/>
       </p:transition>
@@ -7235,13 +7235,13 @@
   <p:clrMapOvr>
     <a:masterClrMapping/>
   </p:clrMapOvr>
-  <mc:AlternateContent xmlns:mc="http://schemas.openxmlformats.org/markup-compatibility/2006">
-    <mc:Choice xmlns:p159="http://schemas.microsoft.com/office/powerpoint/2015/09/main" Requires="p159">
+  <mc:AlternateContent xmlns:mc="http://schemas.openxmlformats.org/markup-compatibility/2006" xmlns:p159="http://schemas.microsoft.com/office/powerpoint/2015/09/main">
+    <mc:Choice Requires="p159">
       <p:transition spd="slow">
         <p159:morph option="byObject"/>
       </p:transition>
     </mc:Choice>
-    <mc:Fallback>
+    <mc:Fallback xmlns="">
       <p:transition spd="slow">
         <p:fade/>
       </p:transition>
@@ -7886,13 +7886,13 @@
   <p:clrMapOvr>
     <a:masterClrMapping/>
   </p:clrMapOvr>
-  <mc:AlternateContent xmlns:mc="http://schemas.openxmlformats.org/markup-compatibility/2006">
-    <mc:Choice xmlns:p159="http://schemas.microsoft.com/office/powerpoint/2015/09/main" Requires="p159">
+  <mc:AlternateContent xmlns:mc="http://schemas.openxmlformats.org/markup-compatibility/2006" xmlns:p159="http://schemas.microsoft.com/office/powerpoint/2015/09/main">
+    <mc:Choice Requires="p159">
       <p:transition spd="slow">
         <p159:morph option="byObject"/>
       </p:transition>
     </mc:Choice>
-    <mc:Fallback>
+    <mc:Fallback xmlns="">
       <p:transition spd="slow">
         <p:fade/>
       </p:transition>
@@ -8617,13 +8617,13 @@
   <p:clrMapOvr>
     <a:masterClrMapping/>
   </p:clrMapOvr>
-  <mc:AlternateContent xmlns:mc="http://schemas.openxmlformats.org/markup-compatibility/2006">
-    <mc:Choice xmlns:p159="http://schemas.microsoft.com/office/powerpoint/2015/09/main" Requires="p159">
+  <mc:AlternateContent xmlns:mc="http://schemas.openxmlformats.org/markup-compatibility/2006" xmlns:p159="http://schemas.microsoft.com/office/powerpoint/2015/09/main">
+    <mc:Choice Requires="p159">
       <p:transition spd="slow">
         <p159:morph option="byObject"/>
       </p:transition>
     </mc:Choice>
-    <mc:Fallback>
+    <mc:Fallback xmlns="">
       <p:transition spd="slow">
         <p:fade/>
       </p:transition>
@@ -9396,13 +9396,13 @@
   <p:clrMapOvr>
     <a:masterClrMapping/>
   </p:clrMapOvr>
-  <mc:AlternateContent xmlns:mc="http://schemas.openxmlformats.org/markup-compatibility/2006">
-    <mc:Choice xmlns:p159="http://schemas.microsoft.com/office/powerpoint/2015/09/main" Requires="p159">
+  <mc:AlternateContent xmlns:mc="http://schemas.openxmlformats.org/markup-compatibility/2006" xmlns:p159="http://schemas.microsoft.com/office/powerpoint/2015/09/main">
+    <mc:Choice Requires="p159">
       <p:transition spd="slow">
         <p159:morph option="byObject"/>
       </p:transition>
     </mc:Choice>
-    <mc:Fallback>
+    <mc:Fallback xmlns="">
       <p:transition spd="slow">
         <p:fade/>
       </p:transition>
@@ -9808,13 +9808,13 @@
   <p:clrMapOvr>
     <a:masterClrMapping/>
   </p:clrMapOvr>
-  <mc:AlternateContent xmlns:mc="http://schemas.openxmlformats.org/markup-compatibility/2006">
-    <mc:Choice xmlns:p159="http://schemas.microsoft.com/office/powerpoint/2015/09/main" Requires="p159">
+  <mc:AlternateContent xmlns:mc="http://schemas.openxmlformats.org/markup-compatibility/2006" xmlns:p159="http://schemas.microsoft.com/office/powerpoint/2015/09/main">
+    <mc:Choice Requires="p159">
       <p:transition spd="slow">
         <p159:morph option="byObject"/>
       </p:transition>
     </mc:Choice>
-    <mc:Fallback>
+    <mc:Fallback xmlns="">
       <p:transition spd="slow">
         <p:fade/>
       </p:transition>
@@ -10050,13 +10050,13 @@
   <p:clrMapOvr>
     <a:masterClrMapping/>
   </p:clrMapOvr>
-  <mc:AlternateContent xmlns:mc="http://schemas.openxmlformats.org/markup-compatibility/2006">
-    <mc:Choice xmlns:p159="http://schemas.microsoft.com/office/powerpoint/2015/09/main" Requires="p159">
+  <mc:AlternateContent xmlns:mc="http://schemas.openxmlformats.org/markup-compatibility/2006" xmlns:p159="http://schemas.microsoft.com/office/powerpoint/2015/09/main">
+    <mc:Choice Requires="p159">
       <p:transition spd="slow">
         <p159:morph option="byObject"/>
       </p:transition>
     </mc:Choice>
-    <mc:Fallback>
+    <mc:Fallback xmlns="">
       <p:transition spd="slow">
         <p:fade/>
       </p:transition>
